--- a/doc/Studienarbeit.pptx
+++ b/doc/Studienarbeit.pptx
@@ -5577,7 +5577,6 @@
               <a:rPr lang="de-DE" sz="5400" dirty="0"/>
               <a:t> und C# und die Ansteuerung eines Roboterarms</a:t>
             </a:r>
-            <a:endParaRPr lang="de-DE" sz="5400" dirty="0"/>
           </a:p>
         </p:txBody>
       </p:sp>
@@ -5616,11 +5615,19 @@
           <a:p>
             <a:r>
               <a:rPr lang="de-DE" sz="1200" dirty="0"/>
-              <a:t>im Studiengang Technische </a:t>
+              <a:t>im Studiengang </a:t>
+            </a:r>
+            <a:r>
+              <a:rPr lang="de-DE" sz="1200" dirty="0"/>
+              <a:t>Softwaretechnik und </a:t>
             </a:r>
             <a:r>
               <a:rPr lang="de-DE" sz="1200" dirty="0" smtClean="0"/>
-              <a:t>Informatik der </a:t>
+              <a:t>Medieninformatik </a:t>
+            </a:r>
+            <a:r>
+              <a:rPr lang="de-DE" sz="1200" dirty="0" smtClean="0"/>
+              <a:t>der </a:t>
             </a:r>
             <a:r>
               <a:rPr lang="de-DE" sz="1200" dirty="0"/>
@@ -5840,7 +5847,7 @@
             <p:ph idx="1"/>
             <p:extLst>
               <p:ext uri="{D42A27DB-BD31-4B8C-83A1-F6EECF244321}">
-                <p14:modId xmlns:p14="http://schemas.microsoft.com/office/powerpoint/2010/main" val="1134944153"/>
+                <p14:modId xmlns:p14="http://schemas.microsoft.com/office/powerpoint/2010/main" val="1637081982"/>
               </p:ext>
             </p:extLst>
           </p:nvPr>
@@ -6043,7 +6050,13 @@
                         <a:rPr lang="de-DE" sz="2400" dirty="0">
                           <a:effectLst/>
                         </a:rPr>
-                        <a:t>12000 ergibt 360Grad</a:t>
+                        <a:t>12000 ergibt </a:t>
+                      </a:r>
+                      <a:r>
+                        <a:rPr lang="de-DE" sz="2400" dirty="0" smtClean="0">
+                          <a:effectLst/>
+                        </a:rPr>
+                        <a:t>270 Grad</a:t>
                       </a:r>
                       <a:endParaRPr lang="de-DE" sz="2400" dirty="0">
                         <a:effectLst/>
@@ -7588,11 +7601,7 @@
             </a:pPr>
             <a:r>
               <a:rPr lang="de-DE" sz="2600" dirty="0"/>
-              <a:t> </a:t>
-            </a:r>
-            <a:r>
-              <a:rPr lang="de-DE" sz="2600" dirty="0"/>
-              <a:t>Koordinaten dessen </a:t>
+              <a:t> Koordinaten dessen </a:t>
             </a:r>
             <a:r>
               <a:rPr lang="de-DE" sz="2600" dirty="0" smtClean="0"/>
@@ -7606,11 +7615,7 @@
             </a:pPr>
             <a:r>
               <a:rPr lang="de-DE" sz="2600" dirty="0"/>
-              <a:t> </a:t>
-            </a:r>
-            <a:r>
-              <a:rPr lang="de-DE" sz="2600" dirty="0"/>
-              <a:t>wenn keine Bewegung stattfindet, nach dem zuvor gefundenen Objekt zu </a:t>
+              <a:t> wenn keine Bewegung stattfindet, nach dem zuvor gefundenen Objekt zu </a:t>
             </a:r>
             <a:r>
               <a:rPr lang="de-DE" sz="2600" dirty="0" smtClean="0"/>
@@ -7803,11 +7808,7 @@
             </a:pPr>
             <a:r>
               <a:rPr lang="de-DE" sz="2400" dirty="0"/>
-              <a:t> </a:t>
-            </a:r>
-            <a:r>
-              <a:rPr lang="de-DE" sz="2400" dirty="0"/>
-              <a:t>Befehle direkt an die Drive Unit </a:t>
+              <a:t> Befehle direkt an die Drive Unit </a:t>
             </a:r>
             <a:r>
               <a:rPr lang="de-DE" sz="2400" dirty="0" smtClean="0"/>
@@ -7942,28 +7943,6 @@
               <a:t>17</a:t>
             </a:fld>
             <a:endParaRPr lang="en-GB"/>
-          </a:p>
-        </p:txBody>
-      </p:sp>
-      <p:sp>
-        <p:nvSpPr>
-          <p:cNvPr id="6" name="Inhaltsplatzhalter 5"/>
-          <p:cNvSpPr>
-            <a:spLocks noGrp="1"/>
-          </p:cNvSpPr>
-          <p:nvPr>
-            <p:ph idx="1"/>
-          </p:nvPr>
-        </p:nvSpPr>
-        <p:spPr/>
-        <p:txBody>
-          <a:bodyPr/>
-          <a:lstStyle/>
-          <a:p>
-            <a:pPr marL="0" indent="0">
-              <a:buNone/>
-            </a:pPr>
-            <a:endParaRPr lang="de-DE" dirty="0"/>
           </a:p>
         </p:txBody>
       </p:sp>
@@ -9282,12 +9261,12 @@
           <a:graphicData uri="http://schemas.openxmlformats.org/presentationml/2006/ole">
             <mc:AlternateContent xmlns:mc="http://schemas.openxmlformats.org/markup-compatibility/2006">
               <mc:Choice xmlns:v="urn:schemas-microsoft-com:vml" Requires="v">
-                <p:oleObj spid="_x0000_s1030" name="Visio" r:id="rId3" imgW="4429071" imgH="1914621" progId="Visio.Drawing.15">
+                <p:oleObj spid="_x0000_s1031" name="Visio" r:id="rId4" imgW="4429071" imgH="1914621" progId="Visio.Drawing.15">
                   <p:embed/>
                 </p:oleObj>
               </mc:Choice>
               <mc:Fallback>
-                <p:oleObj name="Visio" r:id="rId3" imgW="4429071" imgH="1914621" progId="Visio.Drawing.15">
+                <p:oleObj name="Visio" r:id="rId4" imgW="4429071" imgH="1914621" progId="Visio.Drawing.15">
                   <p:embed/>
                   <p:pic>
                     <p:nvPicPr>
@@ -9298,7 +9277,7 @@
                       <p:nvPr/>
                     </p:nvPicPr>
                     <p:blipFill>
-                      <a:blip r:embed="rId4">
+                      <a:blip r:embed="rId5">
                         <a:extLst>
                           <a:ext uri="{28A0092B-C50C-407E-A947-70E740481C1C}">
                             <a14:useLocalDpi xmlns:a14="http://schemas.microsoft.com/office/drawing/2010/main" val="0"/>
@@ -9672,12 +9651,12 @@
           <a:graphicData uri="http://schemas.openxmlformats.org/presentationml/2006/ole">
             <mc:AlternateContent xmlns:mc="http://schemas.openxmlformats.org/markup-compatibility/2006">
               <mc:Choice xmlns:v="urn:schemas-microsoft-com:vml" Requires="v">
-                <p:oleObj spid="_x0000_s7173" name="Visio" r:id="rId4" imgW="2038199" imgH="1952466" progId="Visio.Drawing.15">
+                <p:oleObj spid="_x0000_s7174" name="Visio" r:id="rId5" imgW="2038199" imgH="1952466" progId="Visio.Drawing.15">
                   <p:embed/>
                 </p:oleObj>
               </mc:Choice>
               <mc:Fallback>
-                <p:oleObj name="Visio" r:id="rId4" imgW="2038199" imgH="1952466" progId="Visio.Drawing.15">
+                <p:oleObj name="Visio" r:id="rId5" imgW="2038199" imgH="1952466" progId="Visio.Drawing.15">
                   <p:embed/>
                   <p:pic>
                     <p:nvPicPr>
@@ -9688,7 +9667,7 @@
                       <p:nvPr/>
                     </p:nvPicPr>
                     <p:blipFill>
-                      <a:blip r:embed="rId5">
+                      <a:blip r:embed="rId6">
                         <a:extLst>
                           <a:ext uri="{28A0092B-C50C-407E-A947-70E740481C1C}">
                             <a14:useLocalDpi xmlns:a14="http://schemas.microsoft.com/office/drawing/2010/main" val="0"/>
